--- a/PPT/2차발표_2013180018.pptx
+++ b/PPT/2차발표_2013180018.pptx
@@ -4084,7 +4084,7 @@
             <p:ph idx="1"/>
             <p:extLst>
               <p:ext uri="{D42A27DB-BD31-4B8C-83A1-F6EECF244321}">
-                <p14:modId xmlns:p14="http://schemas.microsoft.com/office/powerpoint/2010/main" val="2077328761"/>
+                <p14:modId xmlns:p14="http://schemas.microsoft.com/office/powerpoint/2010/main" val="2402211066"/>
               </p:ext>
             </p:extLst>
           </p:nvPr>
@@ -4245,69 +4245,69 @@
                     <a:p>
                       <a:pPr latinLnBrk="1"/>
                       <a:r>
-                        <a:rPr lang="ko-KR" altLang="en-US" sz="1400" dirty="0" smtClean="0"/>
+                        <a:rPr lang="ko-KR" altLang="en-US" sz="1400" b="1" dirty="0" smtClean="0"/>
                         <a:t>키보드 </a:t>
                       </a:r>
                       <a:r>
-                        <a:rPr lang="en-US" altLang="ko-KR" sz="1400" dirty="0" smtClean="0"/>
+                        <a:rPr lang="en-US" altLang="ko-KR" sz="1400" b="1" dirty="0" smtClean="0"/>
                         <a:t>2</a:t>
                       </a:r>
                       <a:r>
-                        <a:rPr lang="ko-KR" altLang="en-US" sz="1400" dirty="0" smtClean="0"/>
+                        <a:rPr lang="ko-KR" altLang="en-US" sz="1400" b="1" dirty="0" smtClean="0"/>
                         <a:t>방향</a:t>
                       </a:r>
                       <a:r>
-                        <a:rPr lang="en-US" altLang="ko-KR" sz="1400" dirty="0" smtClean="0"/>
+                        <a:rPr lang="en-US" altLang="ko-KR" sz="1400" b="1" dirty="0" smtClean="0"/>
                         <a:t>(</a:t>
                       </a:r>
                       <a:r>
-                        <a:rPr lang="ko-KR" altLang="en-US" sz="1400" dirty="0" smtClean="0"/>
+                        <a:rPr lang="ko-KR" altLang="en-US" sz="1400" b="1" dirty="0" smtClean="0"/>
                         <a:t>좌</a:t>
                       </a:r>
                       <a:r>
-                        <a:rPr lang="en-US" altLang="ko-KR" sz="1400" dirty="0" smtClean="0"/>
+                        <a:rPr lang="en-US" altLang="ko-KR" sz="1400" b="1" dirty="0" smtClean="0"/>
                         <a:t>,</a:t>
                       </a:r>
                       <a:r>
-                        <a:rPr lang="ko-KR" altLang="en-US" sz="1400" dirty="0" smtClean="0"/>
+                        <a:rPr lang="ko-KR" altLang="en-US" sz="1400" b="1" dirty="0" smtClean="0"/>
                         <a:t>우</a:t>
                       </a:r>
                       <a:r>
-                        <a:rPr lang="en-US" altLang="ko-KR" sz="1400" dirty="0" smtClean="0"/>
+                        <a:rPr lang="en-US" altLang="ko-KR" sz="1400" b="1" dirty="0" smtClean="0"/>
                         <a:t>)</a:t>
                       </a:r>
                     </a:p>
                     <a:p>
                       <a:pPr latinLnBrk="1"/>
                       <a:r>
-                        <a:rPr lang="ko-KR" altLang="en-US" sz="1400" dirty="0" smtClean="0"/>
+                        <a:rPr lang="ko-KR" altLang="en-US" sz="1400" b="1" dirty="0" smtClean="0"/>
                         <a:t>키보드</a:t>
                       </a:r>
                       <a:r>
-                        <a:rPr lang="en-US" altLang="ko-KR" sz="1400" dirty="0" smtClean="0"/>
+                        <a:rPr lang="en-US" altLang="ko-KR" sz="1400" b="1" dirty="0" smtClean="0"/>
                         <a:t>(</a:t>
                       </a:r>
                       <a:r>
-                        <a:rPr lang="ko-KR" altLang="en-US" sz="1400" dirty="0" smtClean="0"/>
+                        <a:rPr lang="ko-KR" altLang="en-US" sz="1400" b="1" dirty="0" smtClean="0"/>
                         <a:t>좌</a:t>
                       </a:r>
                       <a:r>
-                        <a:rPr lang="en-US" altLang="ko-KR" sz="1400" dirty="0" smtClean="0"/>
+                        <a:rPr lang="en-US" altLang="ko-KR" sz="1400" b="1" dirty="0" smtClean="0"/>
                         <a:t>,</a:t>
                       </a:r>
                       <a:r>
-                        <a:rPr lang="ko-KR" altLang="en-US" sz="1400" dirty="0" smtClean="0"/>
+                        <a:rPr lang="ko-KR" altLang="en-US" sz="1400" b="1" dirty="0" smtClean="0"/>
                         <a:t>우</a:t>
                       </a:r>
                       <a:r>
-                        <a:rPr lang="en-US" altLang="ko-KR" sz="1400" dirty="0" smtClean="0"/>
+                        <a:rPr lang="en-US" altLang="ko-KR" sz="1400" b="1" dirty="0" smtClean="0"/>
                         <a:t>)</a:t>
                       </a:r>
                       <a:r>
-                        <a:rPr lang="ko-KR" altLang="en-US" sz="1400" dirty="0" smtClean="0"/>
+                        <a:rPr lang="ko-KR" altLang="en-US" sz="1400" b="1" dirty="0" smtClean="0"/>
                         <a:t>로 캐릭터 진행 방향 변경</a:t>
                       </a:r>
-                      <a:endParaRPr lang="ko-KR" altLang="en-US" sz="1400" dirty="0"/>
+                      <a:endParaRPr lang="ko-KR" altLang="en-US" sz="1400" b="1" dirty="0"/>
                     </a:p>
                   </a:txBody>
                   <a:tcPr anchor="ctr"/>
@@ -4319,85 +4319,85 @@
                     <a:p>
                       <a:pPr latinLnBrk="1"/>
                       <a:r>
-                        <a:rPr lang="ko-KR" altLang="en-US" sz="1400" dirty="0" smtClean="0"/>
+                        <a:rPr lang="ko-KR" altLang="en-US" sz="1400" b="1" dirty="0" smtClean="0"/>
                         <a:t>키보드 </a:t>
                       </a:r>
                       <a:r>
-                        <a:rPr lang="en-US" altLang="ko-KR" sz="1400" dirty="0" smtClean="0"/>
+                        <a:rPr lang="en-US" altLang="ko-KR" sz="1400" b="1" dirty="0" smtClean="0"/>
                         <a:t>4</a:t>
                       </a:r>
                       <a:r>
-                        <a:rPr lang="ko-KR" altLang="en-US" sz="1400" dirty="0" smtClean="0"/>
+                        <a:rPr lang="ko-KR" altLang="en-US" sz="1400" b="1" dirty="0" smtClean="0"/>
                         <a:t>방향</a:t>
                       </a:r>
                       <a:r>
-                        <a:rPr lang="en-US" altLang="ko-KR" sz="1400" dirty="0" smtClean="0"/>
+                        <a:rPr lang="en-US" altLang="ko-KR" sz="1400" b="1" dirty="0" smtClean="0"/>
                         <a:t>(</a:t>
                       </a:r>
                       <a:r>
-                        <a:rPr lang="ko-KR" altLang="en-US" sz="1400" dirty="0" smtClean="0"/>
+                        <a:rPr lang="ko-KR" altLang="en-US" sz="1400" b="1" dirty="0" smtClean="0"/>
                         <a:t>상</a:t>
                       </a:r>
                       <a:r>
-                        <a:rPr lang="en-US" altLang="ko-KR" sz="1400" dirty="0" smtClean="0"/>
+                        <a:rPr lang="en-US" altLang="ko-KR" sz="1400" b="1" dirty="0" smtClean="0"/>
                         <a:t>,</a:t>
                       </a:r>
                       <a:r>
-                        <a:rPr lang="ko-KR" altLang="en-US" sz="1400" dirty="0" smtClean="0"/>
+                        <a:rPr lang="ko-KR" altLang="en-US" sz="1400" b="1" dirty="0" smtClean="0"/>
                         <a:t>하</a:t>
                       </a:r>
                       <a:r>
-                        <a:rPr lang="en-US" altLang="ko-KR" sz="1400" dirty="0" smtClean="0"/>
+                        <a:rPr lang="en-US" altLang="ko-KR" sz="1400" b="1" dirty="0" smtClean="0"/>
                         <a:t>,</a:t>
                       </a:r>
                       <a:r>
-                        <a:rPr lang="ko-KR" altLang="en-US" sz="1400" dirty="0" smtClean="0"/>
+                        <a:rPr lang="ko-KR" altLang="en-US" sz="1400" b="1" dirty="0" smtClean="0"/>
                         <a:t>좌</a:t>
                       </a:r>
                       <a:r>
-                        <a:rPr lang="en-US" altLang="ko-KR" sz="1400" dirty="0" smtClean="0"/>
+                        <a:rPr lang="en-US" altLang="ko-KR" sz="1400" b="1" dirty="0" smtClean="0"/>
                         <a:t>,</a:t>
                       </a:r>
                       <a:r>
-                        <a:rPr lang="ko-KR" altLang="en-US" sz="1400" dirty="0" smtClean="0"/>
+                        <a:rPr lang="ko-KR" altLang="en-US" sz="1400" b="1" dirty="0" smtClean="0"/>
                         <a:t>우</a:t>
                       </a:r>
                       <a:r>
-                        <a:rPr lang="en-US" altLang="ko-KR" sz="1400" dirty="0" smtClean="0"/>
+                        <a:rPr lang="en-US" altLang="ko-KR" sz="1400" b="1" dirty="0" smtClean="0"/>
                         <a:t>)</a:t>
                       </a:r>
                     </a:p>
                     <a:p>
                       <a:pPr latinLnBrk="1"/>
                       <a:r>
-                        <a:rPr lang="ko-KR" altLang="en-US" sz="1400" dirty="0" smtClean="0"/>
+                        <a:rPr lang="ko-KR" altLang="en-US" sz="1400" b="1" dirty="0" smtClean="0"/>
                         <a:t>키보드</a:t>
                       </a:r>
                       <a:r>
-                        <a:rPr lang="en-US" altLang="ko-KR" sz="1400" dirty="0" smtClean="0"/>
+                        <a:rPr lang="en-US" altLang="ko-KR" sz="1400" b="1" dirty="0" smtClean="0"/>
                         <a:t>(</a:t>
                       </a:r>
                       <a:r>
-                        <a:rPr lang="ko-KR" altLang="en-US" sz="1400" dirty="0" smtClean="0"/>
+                        <a:rPr lang="ko-KR" altLang="en-US" sz="1400" b="1" dirty="0" smtClean="0"/>
                         <a:t>상</a:t>
                       </a:r>
                       <a:r>
-                        <a:rPr lang="en-US" altLang="ko-KR" sz="1400" dirty="0" smtClean="0"/>
+                        <a:rPr lang="en-US" altLang="ko-KR" sz="1400" b="1" dirty="0" smtClean="0"/>
                         <a:t>,</a:t>
                       </a:r>
                       <a:r>
-                        <a:rPr lang="ko-KR" altLang="en-US" sz="1400" dirty="0" smtClean="0"/>
+                        <a:rPr lang="ko-KR" altLang="en-US" sz="1400" b="1" dirty="0" smtClean="0"/>
                         <a:t>하</a:t>
                       </a:r>
                       <a:r>
-                        <a:rPr lang="en-US" altLang="ko-KR" sz="1400" dirty="0" smtClean="0"/>
+                        <a:rPr lang="en-US" altLang="ko-KR" sz="1400" b="1" dirty="0" smtClean="0"/>
                         <a:t>)</a:t>
                       </a:r>
                       <a:r>
-                        <a:rPr lang="ko-KR" altLang="en-US" sz="1400" dirty="0" smtClean="0"/>
+                        <a:rPr lang="ko-KR" altLang="en-US" sz="1400" b="1" dirty="0" smtClean="0"/>
                         <a:t>로 캐릭터의 속도 변경</a:t>
                       </a:r>
-                      <a:endParaRPr lang="ko-KR" altLang="en-US" sz="1400" dirty="0"/>
+                      <a:endParaRPr lang="ko-KR" altLang="en-US" sz="1400" b="1" dirty="0"/>
                     </a:p>
                   </a:txBody>
                   <a:tcPr anchor="ctr"/>
@@ -4461,10 +4461,10 @@
                     <a:p>
                       <a:pPr latinLnBrk="1"/>
                       <a:r>
-                        <a:rPr lang="ko-KR" altLang="en-US" sz="1400" dirty="0" smtClean="0"/>
+                        <a:rPr lang="ko-KR" altLang="en-US" sz="1400" b="1" dirty="0" smtClean="0"/>
                         <a:t>아이템을 먹을 시에 부스터 사용</a:t>
                       </a:r>
-                      <a:endParaRPr lang="ko-KR" altLang="en-US" sz="1400" dirty="0"/>
+                      <a:endParaRPr lang="ko-KR" altLang="en-US" sz="1400" b="1" dirty="0"/>
                     </a:p>
                   </a:txBody>
                   <a:tcPr anchor="ctr"/>
@@ -4476,10 +4476,10 @@
                     <a:p>
                       <a:pPr latinLnBrk="1"/>
                       <a:r>
-                        <a:rPr lang="ko-KR" altLang="en-US" sz="1400" dirty="0" smtClean="0"/>
+                        <a:rPr lang="ko-KR" altLang="en-US" sz="1400" b="1" dirty="0" smtClean="0"/>
                         <a:t>스페이스바를 눌러 부스터 사용</a:t>
                       </a:r>
-                      <a:endParaRPr lang="ko-KR" altLang="en-US" sz="1400" dirty="0"/>
+                      <a:endParaRPr lang="ko-KR" altLang="en-US" sz="1400" b="1" dirty="0"/>
                     </a:p>
                   </a:txBody>
                   <a:tcPr anchor="ctr"/>
@@ -4527,41 +4527,41 @@
                     <a:p>
                       <a:pPr latinLnBrk="1"/>
                       <a:r>
-                        <a:rPr lang="ko-KR" altLang="en-US" sz="1400" dirty="0" smtClean="0"/>
+                        <a:rPr lang="ko-KR" altLang="en-US" sz="1400" b="1" dirty="0" smtClean="0"/>
                         <a:t>테마 </a:t>
                       </a:r>
                       <a:r>
-                        <a:rPr lang="en-US" altLang="ko-KR" sz="1400" dirty="0" smtClean="0"/>
+                        <a:rPr lang="en-US" altLang="ko-KR" sz="1400" b="1" dirty="0" smtClean="0"/>
                         <a:t>1</a:t>
                       </a:r>
                       <a:r>
-                        <a:rPr lang="ko-KR" altLang="en-US" sz="1400" dirty="0" smtClean="0"/>
+                        <a:rPr lang="ko-KR" altLang="en-US" sz="1400" b="1" dirty="0" smtClean="0"/>
                         <a:t>개</a:t>
                       </a:r>
                       <a:r>
-                        <a:rPr lang="ko-KR" altLang="en-US" sz="1400" baseline="0" dirty="0" smtClean="0"/>
+                        <a:rPr lang="ko-KR" altLang="en-US" sz="1400" b="1" baseline="0" dirty="0" smtClean="0"/>
                         <a:t> </a:t>
                       </a:r>
                       <a:r>
-                        <a:rPr lang="en-US" altLang="ko-KR" sz="1400" baseline="0" dirty="0" smtClean="0"/>
+                        <a:rPr lang="en-US" altLang="ko-KR" sz="1400" b="1" baseline="0" dirty="0" smtClean="0"/>
                         <a:t>(</a:t>
                       </a:r>
                       <a:r>
-                        <a:rPr lang="ko-KR" altLang="en-US" sz="1400" baseline="0" dirty="0" smtClean="0"/>
+                        <a:rPr lang="ko-KR" altLang="en-US" sz="1400" b="1" baseline="0" dirty="0" smtClean="0"/>
                         <a:t>고속도로</a:t>
                       </a:r>
                       <a:r>
-                        <a:rPr lang="en-US" altLang="ko-KR" sz="1400" baseline="0" dirty="0" smtClean="0"/>
+                        <a:rPr lang="en-US" altLang="ko-KR" sz="1400" b="1" baseline="0" dirty="0" smtClean="0"/>
                         <a:t>)</a:t>
                       </a:r>
                     </a:p>
                     <a:p>
                       <a:pPr latinLnBrk="1"/>
                       <a:r>
-                        <a:rPr lang="ko-KR" altLang="en-US" sz="1400" baseline="0" dirty="0" smtClean="0"/>
+                        <a:rPr lang="ko-KR" altLang="en-US" sz="1400" b="1" baseline="0" dirty="0" smtClean="0"/>
                         <a:t>사용자가 죽을때 까지 고속도로 출력</a:t>
                       </a:r>
-                      <a:endParaRPr lang="ko-KR" altLang="en-US" sz="1400" dirty="0"/>
+                      <a:endParaRPr lang="ko-KR" altLang="en-US" sz="1400" b="1" dirty="0"/>
                     </a:p>
                   </a:txBody>
                   <a:tcPr anchor="ctr"/>
@@ -4573,41 +4573,41 @@
                     <a:p>
                       <a:pPr latinLnBrk="1"/>
                       <a:r>
-                        <a:rPr lang="ko-KR" altLang="en-US" sz="1400" dirty="0" smtClean="0"/>
+                        <a:rPr lang="ko-KR" altLang="en-US" sz="1400" b="1" dirty="0" smtClean="0"/>
                         <a:t>테마 </a:t>
                       </a:r>
                       <a:r>
-                        <a:rPr lang="en-US" altLang="ko-KR" sz="1400" dirty="0" smtClean="0"/>
+                        <a:rPr lang="en-US" altLang="ko-KR" sz="1400" b="1" dirty="0" smtClean="0"/>
                         <a:t>1</a:t>
                       </a:r>
                       <a:r>
-                        <a:rPr lang="ko-KR" altLang="en-US" sz="1400" dirty="0" smtClean="0"/>
+                        <a:rPr lang="ko-KR" altLang="en-US" sz="1400" b="1" dirty="0" smtClean="0"/>
                         <a:t>개 추가</a:t>
                       </a:r>
                       <a:r>
-                        <a:rPr lang="ko-KR" altLang="en-US" sz="1400" baseline="0" dirty="0" smtClean="0"/>
+                        <a:rPr lang="ko-KR" altLang="en-US" sz="1400" b="1" baseline="0" dirty="0" smtClean="0"/>
                         <a:t> </a:t>
                       </a:r>
                       <a:r>
-                        <a:rPr lang="en-US" altLang="ko-KR" sz="1400" baseline="0" dirty="0" smtClean="0"/>
+                        <a:rPr lang="en-US" altLang="ko-KR" sz="1400" b="1" baseline="0" dirty="0" smtClean="0"/>
                         <a:t>(</a:t>
                       </a:r>
                       <a:r>
-                        <a:rPr lang="ko-KR" altLang="en-US" sz="1400" baseline="0" dirty="0" smtClean="0"/>
+                        <a:rPr lang="ko-KR" altLang="en-US" sz="1400" b="1" baseline="0" dirty="0" smtClean="0"/>
                         <a:t>사막</a:t>
                       </a:r>
                       <a:r>
-                        <a:rPr lang="en-US" altLang="ko-KR" sz="1400" baseline="0" dirty="0" smtClean="0"/>
+                        <a:rPr lang="en-US" altLang="ko-KR" sz="1400" b="1" baseline="0" dirty="0" smtClean="0"/>
                         <a:t>)</a:t>
                       </a:r>
                     </a:p>
                     <a:p>
                       <a:pPr latinLnBrk="1"/>
                       <a:r>
-                        <a:rPr lang="ko-KR" altLang="en-US" sz="1400" baseline="0" dirty="0" smtClean="0"/>
+                        <a:rPr lang="ko-KR" altLang="en-US" sz="1400" b="1" baseline="0" dirty="0" smtClean="0"/>
                         <a:t>도로 주변 배경 추가</a:t>
                       </a:r>
-                      <a:endParaRPr lang="ko-KR" altLang="en-US" sz="1400" dirty="0"/>
+                      <a:endParaRPr lang="ko-KR" altLang="en-US" sz="1400" b="1" dirty="0"/>
                     </a:p>
                   </a:txBody>
                   <a:tcPr anchor="ctr"/>
@@ -4663,10 +4663,10 @@
                     <a:p>
                       <a:pPr latinLnBrk="1"/>
                       <a:r>
-                        <a:rPr lang="ko-KR" altLang="en-US" sz="1400" dirty="0" smtClean="0"/>
+                        <a:rPr lang="ko-KR" altLang="en-US" sz="1400" b="1" dirty="0" smtClean="0"/>
                         <a:t>방해 차량이 캐릭터의 진행을 방해</a:t>
                       </a:r>
-                      <a:endParaRPr lang="ko-KR" altLang="en-US" sz="1400" dirty="0"/>
+                      <a:endParaRPr lang="ko-KR" altLang="en-US" sz="1400" b="1" dirty="0"/>
                     </a:p>
                   </a:txBody>
                   <a:tcPr anchor="ctr"/>
@@ -4678,22 +4678,22 @@
                     <a:p>
                       <a:pPr latinLnBrk="1"/>
                       <a:r>
-                        <a:rPr lang="ko-KR" altLang="en-US" sz="1400" dirty="0" smtClean="0"/>
+                        <a:rPr lang="ko-KR" altLang="en-US" sz="1400" b="1" dirty="0" smtClean="0"/>
                         <a:t>차량 개수 증가</a:t>
                       </a:r>
                       <a:r>
-                        <a:rPr lang="en-US" altLang="ko-KR" sz="1400" dirty="0" smtClean="0"/>
+                        <a:rPr lang="en-US" altLang="ko-KR" sz="1400" b="1" dirty="0" smtClean="0"/>
                         <a:t>,</a:t>
                       </a:r>
                       <a:r>
-                        <a:rPr lang="ko-KR" altLang="en-US" sz="1400" dirty="0" smtClean="0"/>
+                        <a:rPr lang="ko-KR" altLang="en-US" sz="1400" b="1" dirty="0" smtClean="0"/>
                         <a:t> 차량</a:t>
                       </a:r>
                       <a:r>
-                        <a:rPr lang="ko-KR" altLang="en-US" sz="1400" baseline="0" dirty="0" smtClean="0"/>
+                        <a:rPr lang="ko-KR" altLang="en-US" sz="1400" b="1" baseline="0" dirty="0" smtClean="0"/>
                         <a:t> 속도 조절</a:t>
                       </a:r>
-                      <a:endParaRPr lang="ko-KR" altLang="en-US" sz="1400" dirty="0"/>
+                      <a:endParaRPr lang="ko-KR" altLang="en-US" sz="1400" b="1" dirty="0"/>
                     </a:p>
                   </a:txBody>
                   <a:tcPr anchor="ctr"/>
@@ -4757,15 +4757,15 @@
                         <a:defRPr/>
                       </a:pPr>
                       <a:r>
-                        <a:rPr lang="ko-KR" altLang="en-US" sz="1400" dirty="0" smtClean="0"/>
+                        <a:rPr lang="ko-KR" altLang="en-US" sz="1400" b="1" dirty="0" smtClean="0"/>
                         <a:t>난이도 증가시 기본 속도</a:t>
                       </a:r>
                       <a:r>
-                        <a:rPr lang="en-US" altLang="ko-KR" sz="1400" dirty="0" smtClean="0"/>
+                        <a:rPr lang="en-US" altLang="ko-KR" sz="1400" b="1" dirty="0" smtClean="0"/>
                         <a:t>,</a:t>
                       </a:r>
                       <a:r>
-                        <a:rPr lang="ko-KR" altLang="en-US" sz="1400" dirty="0" smtClean="0"/>
+                        <a:rPr lang="ko-KR" altLang="en-US" sz="1400" b="1" dirty="0" smtClean="0"/>
                         <a:t> 장애물 개수 증가</a:t>
                       </a:r>
                     </a:p>
@@ -4795,15 +4795,15 @@
                         <a:defRPr/>
                       </a:pPr>
                       <a:r>
-                        <a:rPr lang="ko-KR" altLang="en-US" sz="1400" dirty="0" smtClean="0"/>
+                        <a:rPr lang="ko-KR" altLang="en-US" sz="1400" b="1" dirty="0" smtClean="0"/>
                         <a:t>난이도 증가시 방해 차량 속도</a:t>
                       </a:r>
                       <a:r>
-                        <a:rPr lang="en-US" altLang="ko-KR" sz="1400" dirty="0" smtClean="0"/>
+                        <a:rPr lang="en-US" altLang="ko-KR" sz="1400" b="1" dirty="0" smtClean="0"/>
                         <a:t>,</a:t>
                       </a:r>
                       <a:r>
-                        <a:rPr lang="ko-KR" altLang="en-US" sz="1400" dirty="0" smtClean="0"/>
+                        <a:rPr lang="ko-KR" altLang="en-US" sz="1400" b="1" dirty="0" smtClean="0"/>
                         <a:t> 움직임 증가</a:t>
                       </a:r>
                     </a:p>
@@ -4853,54 +4853,54 @@
                     <a:p>
                       <a:pPr latinLnBrk="1"/>
                       <a:r>
-                        <a:rPr lang="ko-KR" altLang="en-US" sz="1400" dirty="0" smtClean="0"/>
+                        <a:rPr lang="ko-KR" altLang="en-US" sz="1400" b="1" dirty="0" smtClean="0"/>
                         <a:t>캐릭터가 이동할수록 점수</a:t>
                       </a:r>
                       <a:r>
-                        <a:rPr lang="en-US" altLang="ko-KR" sz="1400" dirty="0" smtClean="0"/>
+                        <a:rPr lang="en-US" altLang="ko-KR" sz="1400" b="1" dirty="0" smtClean="0"/>
                         <a:t>(km)</a:t>
                       </a:r>
                       <a:r>
-                        <a:rPr lang="ko-KR" altLang="en-US" sz="1400" dirty="0" smtClean="0"/>
+                        <a:rPr lang="ko-KR" altLang="en-US" sz="1400" b="1" dirty="0" smtClean="0"/>
                         <a:t>증가</a:t>
                       </a:r>
-                      <a:endParaRPr lang="en-US" altLang="ko-KR" sz="1400" dirty="0" smtClean="0"/>
+                      <a:endParaRPr lang="en-US" altLang="ko-KR" sz="1400" b="1" dirty="0" smtClean="0"/>
                     </a:p>
                     <a:p>
                       <a:pPr latinLnBrk="1"/>
                       <a:r>
-                        <a:rPr lang="ko-KR" altLang="en-US" sz="1400" dirty="0" smtClean="0"/>
+                        <a:rPr lang="ko-KR" altLang="en-US" sz="1400" b="1" dirty="0" smtClean="0"/>
                         <a:t>아이템 먹을시에 부스터 사용</a:t>
                       </a:r>
-                      <a:endParaRPr lang="en-US" altLang="ko-KR" sz="1400" dirty="0" smtClean="0"/>
+                      <a:endParaRPr lang="en-US" altLang="ko-KR" sz="1400" b="1" dirty="0" smtClean="0"/>
                     </a:p>
                     <a:p>
                       <a:pPr latinLnBrk="1"/>
                       <a:r>
-                        <a:rPr lang="ko-KR" altLang="en-US" sz="1400" dirty="0" smtClean="0"/>
+                        <a:rPr lang="ko-KR" altLang="en-US" sz="1400" b="1" dirty="0" smtClean="0"/>
                         <a:t>부스터 사용시 장애물을 무시하고 진행</a:t>
                       </a:r>
-                      <a:endParaRPr lang="en-US" altLang="ko-KR" sz="1400" dirty="0" smtClean="0"/>
+                      <a:endParaRPr lang="en-US" altLang="ko-KR" sz="1400" b="1" dirty="0" smtClean="0"/>
                     </a:p>
                     <a:p>
                       <a:pPr latinLnBrk="1"/>
                       <a:r>
-                        <a:rPr lang="en-US" altLang="ko-KR" sz="1400" dirty="0" smtClean="0"/>
+                        <a:rPr lang="en-US" altLang="ko-KR" sz="1400" b="1" dirty="0" smtClean="0"/>
                         <a:t>AI</a:t>
                       </a:r>
                       <a:r>
-                        <a:rPr lang="ko-KR" altLang="en-US" sz="1400" dirty="0" smtClean="0"/>
+                        <a:rPr lang="ko-KR" altLang="en-US" sz="1400" b="1" dirty="0" smtClean="0"/>
                         <a:t>가 게임 진행 방해</a:t>
                       </a:r>
-                      <a:endParaRPr lang="en-US" altLang="ko-KR" sz="1400" dirty="0" smtClean="0"/>
+                      <a:endParaRPr lang="en-US" altLang="ko-KR" sz="1400" b="1" dirty="0" smtClean="0"/>
                     </a:p>
                     <a:p>
                       <a:pPr latinLnBrk="1"/>
                       <a:r>
-                        <a:rPr lang="ko-KR" altLang="en-US" sz="1400" dirty="0" smtClean="0"/>
+                        <a:rPr lang="ko-KR" altLang="en-US" sz="1400" b="1" dirty="0" smtClean="0"/>
                         <a:t>랭킹 시스템</a:t>
                       </a:r>
-                      <a:endParaRPr lang="ko-KR" altLang="en-US" sz="1400" dirty="0"/>
+                      <a:endParaRPr lang="ko-KR" altLang="en-US" sz="1400" b="1" dirty="0"/>
                     </a:p>
                   </a:txBody>
                   <a:tcPr anchor="ctr"/>
@@ -4912,19 +4912,19 @@
                     <a:p>
                       <a:pPr latinLnBrk="1"/>
                       <a:r>
-                        <a:rPr lang="ko-KR" altLang="en-US" sz="1400" dirty="0" smtClean="0"/>
+                        <a:rPr lang="ko-KR" altLang="en-US" sz="1400" b="1" dirty="0" smtClean="0"/>
                         <a:t>먹은 아이템을 저장</a:t>
                       </a:r>
-                      <a:endParaRPr lang="en-US" altLang="ko-KR" sz="1400" dirty="0" smtClean="0"/>
+                      <a:endParaRPr lang="en-US" altLang="ko-KR" sz="1400" b="1" dirty="0" smtClean="0"/>
                     </a:p>
                     <a:p>
                       <a:pPr latinLnBrk="1"/>
                       <a:r>
-                        <a:rPr lang="ko-KR" altLang="en-US" sz="1400" dirty="0" smtClean="0"/>
+                        <a:rPr lang="ko-KR" altLang="en-US" sz="1400" b="1" dirty="0" smtClean="0"/>
                         <a:t>여러개의 </a:t>
                       </a:r>
                       <a:r>
-                        <a:rPr lang="en-US" altLang="ko-KR" sz="1400" dirty="0" smtClean="0"/>
+                        <a:rPr lang="en-US" altLang="ko-KR" sz="1400" b="1" dirty="0" smtClean="0"/>
                         <a:t>AI</a:t>
                       </a:r>
                     </a:p>
@@ -4974,42 +4974,42 @@
                     <a:p>
                       <a:pPr latinLnBrk="1"/>
                       <a:r>
-                        <a:rPr lang="ko-KR" altLang="en-US" sz="1400" dirty="0" smtClean="0"/>
+                        <a:rPr lang="ko-KR" altLang="en-US" sz="1400" b="1" dirty="0" smtClean="0"/>
                         <a:t>자동차 엔진소리</a:t>
                       </a:r>
                       <a:r>
-                        <a:rPr lang="en-US" altLang="ko-KR" sz="1400" dirty="0" smtClean="0"/>
+                        <a:rPr lang="en-US" altLang="ko-KR" sz="1400" b="1" dirty="0" smtClean="0"/>
                         <a:t>,</a:t>
                       </a:r>
                       <a:r>
-                        <a:rPr lang="ko-KR" altLang="en-US" sz="1400" baseline="0" dirty="0" smtClean="0"/>
+                        <a:rPr lang="ko-KR" altLang="en-US" sz="1400" b="1" baseline="0" dirty="0" smtClean="0"/>
                         <a:t> 부스터 </a:t>
                       </a:r>
                       <a:r>
-                        <a:rPr lang="en-US" altLang="ko-KR" sz="1400" baseline="0" dirty="0" smtClean="0"/>
+                        <a:rPr lang="en-US" altLang="ko-KR" sz="1400" b="1" baseline="0" dirty="0" smtClean="0"/>
                         <a:t>,</a:t>
                       </a:r>
                       <a:r>
-                        <a:rPr lang="ko-KR" altLang="en-US" sz="1400" baseline="0" dirty="0" smtClean="0"/>
+                        <a:rPr lang="ko-KR" altLang="en-US" sz="1400" b="1" baseline="0" dirty="0" smtClean="0"/>
                         <a:t> 차량 충돌</a:t>
                       </a:r>
                       <a:r>
-                        <a:rPr lang="en-US" altLang="ko-KR" sz="1400" baseline="0" dirty="0" smtClean="0"/>
+                        <a:rPr lang="en-US" altLang="ko-KR" sz="1400" b="1" baseline="0" dirty="0" smtClean="0"/>
                         <a:t>,</a:t>
                       </a:r>
                       <a:r>
-                        <a:rPr lang="ko-KR" altLang="en-US" sz="1400" baseline="0" dirty="0" smtClean="0"/>
+                        <a:rPr lang="ko-KR" altLang="en-US" sz="1400" b="1" baseline="0" dirty="0" smtClean="0"/>
                         <a:t> 아이템 먹는 효과음</a:t>
                       </a:r>
                       <a:r>
-                        <a:rPr lang="en-US" altLang="ko-KR" sz="1400" baseline="0" dirty="0" smtClean="0"/>
+                        <a:rPr lang="en-US" altLang="ko-KR" sz="1400" b="1" baseline="0" dirty="0" smtClean="0"/>
                         <a:t>,</a:t>
                       </a:r>
                       <a:r>
-                        <a:rPr lang="ko-KR" altLang="en-US" sz="1400" baseline="0" dirty="0" smtClean="0"/>
+                        <a:rPr lang="ko-KR" altLang="en-US" sz="1400" b="1" baseline="0" dirty="0" smtClean="0"/>
                         <a:t> 배경음</a:t>
                       </a:r>
-                      <a:endParaRPr lang="ko-KR" altLang="en-US" sz="1400" dirty="0"/>
+                      <a:endParaRPr lang="ko-KR" altLang="en-US" sz="1400" b="1" dirty="0"/>
                     </a:p>
                   </a:txBody>
                   <a:tcPr anchor="ctr"/>
@@ -5068,54 +5068,54 @@
                     <a:p>
                       <a:pPr latinLnBrk="1"/>
                       <a:r>
-                        <a:rPr lang="ko-KR" altLang="en-US" sz="1400" dirty="0" smtClean="0"/>
+                        <a:rPr lang="ko-KR" altLang="en-US" sz="1400" b="1" dirty="0" smtClean="0"/>
                         <a:t>기본 테마</a:t>
                       </a:r>
                       <a:r>
-                        <a:rPr lang="ko-KR" altLang="en-US" sz="1400" baseline="0" dirty="0" smtClean="0"/>
+                        <a:rPr lang="ko-KR" altLang="en-US" sz="1400" b="1" baseline="0" dirty="0" smtClean="0"/>
                         <a:t> </a:t>
                       </a:r>
                       <a:r>
-                        <a:rPr lang="en-US" altLang="ko-KR" sz="1400" baseline="0" dirty="0" smtClean="0"/>
+                        <a:rPr lang="en-US" altLang="ko-KR" sz="1400" b="1" baseline="0" dirty="0" smtClean="0"/>
                         <a:t>(</a:t>
                       </a:r>
                       <a:r>
-                        <a:rPr lang="ko-KR" altLang="en-US" sz="1400" baseline="0" dirty="0" smtClean="0"/>
+                        <a:rPr lang="ko-KR" altLang="en-US" sz="1400" b="1" baseline="0" dirty="0" smtClean="0"/>
                         <a:t>고속도로</a:t>
                       </a:r>
                       <a:r>
-                        <a:rPr lang="en-US" altLang="ko-KR" sz="1400" baseline="0" dirty="0" smtClean="0"/>
+                        <a:rPr lang="en-US" altLang="ko-KR" sz="1400" b="1" baseline="0" dirty="0" smtClean="0"/>
                         <a:t>),</a:t>
                       </a:r>
                       <a:r>
-                        <a:rPr lang="ko-KR" altLang="en-US" sz="1400" baseline="0" dirty="0" smtClean="0"/>
+                        <a:rPr lang="ko-KR" altLang="en-US" sz="1400" b="1" baseline="0" dirty="0" smtClean="0"/>
                         <a:t> 차량 움직임</a:t>
                       </a:r>
                       <a:r>
-                        <a:rPr lang="en-US" altLang="ko-KR" sz="1400" baseline="0" dirty="0" smtClean="0"/>
+                        <a:rPr lang="en-US" altLang="ko-KR" sz="1400" b="1" baseline="0" dirty="0" smtClean="0"/>
                         <a:t>,</a:t>
                       </a:r>
                       <a:r>
-                        <a:rPr lang="ko-KR" altLang="en-US" sz="1400" baseline="0" dirty="0" smtClean="0"/>
+                        <a:rPr lang="ko-KR" altLang="en-US" sz="1400" b="1" baseline="0" dirty="0" smtClean="0"/>
                         <a:t> 방해 차량 움직임</a:t>
                       </a:r>
                       <a:r>
-                        <a:rPr lang="en-US" altLang="ko-KR" sz="1400" baseline="0" dirty="0" smtClean="0"/>
+                        <a:rPr lang="en-US" altLang="ko-KR" sz="1400" b="1" baseline="0" dirty="0" smtClean="0"/>
                         <a:t>,</a:t>
                       </a:r>
                       <a:r>
-                        <a:rPr lang="ko-KR" altLang="en-US" sz="1400" baseline="0" dirty="0" smtClean="0"/>
+                        <a:rPr lang="ko-KR" altLang="en-US" sz="1400" b="1" baseline="0" dirty="0" smtClean="0"/>
                         <a:t> 장애물</a:t>
                       </a:r>
                       <a:r>
-                        <a:rPr lang="en-US" altLang="ko-KR" sz="1400" baseline="0" dirty="0" smtClean="0"/>
+                        <a:rPr lang="en-US" altLang="ko-KR" sz="1400" b="1" baseline="0" dirty="0" smtClean="0"/>
                         <a:t>,</a:t>
                       </a:r>
                       <a:r>
-                        <a:rPr lang="ko-KR" altLang="en-US" sz="1400" baseline="0" dirty="0" smtClean="0"/>
+                        <a:rPr lang="ko-KR" altLang="en-US" sz="1400" b="1" baseline="0" dirty="0" smtClean="0"/>
                         <a:t> 부스터 사용시 움직임</a:t>
                       </a:r>
-                      <a:endParaRPr lang="ko-KR" altLang="en-US" sz="1400" dirty="0"/>
+                      <a:endParaRPr lang="ko-KR" altLang="en-US" sz="1400" b="1" dirty="0"/>
                     </a:p>
                   </a:txBody>
                   <a:tcPr anchor="ctr"/>
@@ -5127,34 +5127,34 @@
                     <a:p>
                       <a:pPr latinLnBrk="1"/>
                       <a:r>
-                        <a:rPr lang="ko-KR" altLang="en-US" sz="1400" dirty="0" smtClean="0"/>
+                        <a:rPr lang="ko-KR" altLang="en-US" sz="1400" b="1" dirty="0" smtClean="0"/>
                         <a:t>도로 주변 배경</a:t>
                       </a:r>
                       <a:r>
-                        <a:rPr lang="en-US" altLang="ko-KR" sz="1400" dirty="0" smtClean="0"/>
+                        <a:rPr lang="en-US" altLang="ko-KR" sz="1400" b="1" dirty="0" smtClean="0"/>
                         <a:t>,</a:t>
                       </a:r>
                       <a:r>
-                        <a:rPr lang="ko-KR" altLang="en-US" sz="1400" dirty="0" smtClean="0"/>
+                        <a:rPr lang="ko-KR" altLang="en-US" sz="1400" b="1" dirty="0" smtClean="0"/>
                         <a:t> 테마 추가</a:t>
                       </a:r>
                       <a:r>
-                        <a:rPr lang="en-US" altLang="ko-KR" sz="1400" dirty="0" smtClean="0"/>
+                        <a:rPr lang="en-US" altLang="ko-KR" sz="1400" b="1" dirty="0" smtClean="0"/>
                         <a:t>,</a:t>
                       </a:r>
                       <a:r>
-                        <a:rPr lang="ko-KR" altLang="en-US" sz="1400" dirty="0" smtClean="0"/>
+                        <a:rPr lang="ko-KR" altLang="en-US" sz="1400" b="1" dirty="0" smtClean="0"/>
                         <a:t> 차량 속도에 따라 주위 </a:t>
                       </a:r>
-                      <a:endParaRPr lang="en-US" altLang="ko-KR" sz="1400" dirty="0" smtClean="0"/>
+                      <a:endParaRPr lang="en-US" altLang="ko-KR" sz="1400" b="1" dirty="0" smtClean="0"/>
                     </a:p>
                     <a:p>
                       <a:pPr latinLnBrk="1"/>
                       <a:r>
-                        <a:rPr lang="ko-KR" altLang="en-US" sz="1400" dirty="0" smtClean="0"/>
+                        <a:rPr lang="ko-KR" altLang="en-US" sz="1400" b="1" dirty="0" smtClean="0"/>
                         <a:t>애니메이션</a:t>
                       </a:r>
-                      <a:endParaRPr lang="ko-KR" altLang="en-US" sz="1400" dirty="0"/>
+                      <a:endParaRPr lang="ko-KR" altLang="en-US" sz="1400" b="1" dirty="0"/>
                     </a:p>
                   </a:txBody>
                   <a:tcPr anchor="ctr"/>
@@ -5987,25 +5987,39 @@
           </a:p>
         </p:txBody>
       </p:sp>
-      <p:sp>
-        <p:nvSpPr>
-          <p:cNvPr id="3" name="내용 개체 틀 2"/>
-          <p:cNvSpPr>
-            <a:spLocks noGrp="1"/>
-          </p:cNvSpPr>
+      <p:pic>
+        <p:nvPicPr>
+          <p:cNvPr id="5" name="내용 개체 틀 4"/>
+          <p:cNvPicPr>
+            <a:picLocks noGrp="1"/>
+          </p:cNvPicPr>
           <p:nvPr>
             <p:ph idx="1"/>
           </p:nvPr>
-        </p:nvSpPr>
-        <p:spPr/>
-        <p:txBody>
-          <a:bodyPr/>
-          <a:lstStyle/>
-          <a:p>
-            <a:endParaRPr lang="ko-KR" altLang="en-US" dirty="0"/>
-          </a:p>
-        </p:txBody>
-      </p:sp>
+        </p:nvPicPr>
+        <p:blipFill rotWithShape="1">
+          <a:blip r:embed="rId2"/>
+          <a:srcRect l="53237" t="10696" r="20035" b="33338"/>
+          <a:stretch/>
+        </p:blipFill>
+        <p:spPr bwMode="auto">
+          <a:xfrm>
+            <a:off x="3040573" y="1200701"/>
+            <a:ext cx="5782667" cy="4540643"/>
+          </a:xfrm>
+          <a:prstGeom prst="rect">
+            <a:avLst/>
+          </a:prstGeom>
+          <a:ln>
+            <a:noFill/>
+          </a:ln>
+          <a:extLst>
+            <a:ext uri="{53640926-AAD7-44D8-BBD7-CCE9431645EC}">
+              <a14:shadowObscured xmlns:a14="http://schemas.microsoft.com/office/drawing/2010/main"/>
+            </a:ext>
+          </a:extLst>
+        </p:spPr>
+      </p:pic>
     </p:spTree>
     <p:extLst>
       <p:ext uri="{BB962C8B-B14F-4D97-AF65-F5344CB8AC3E}">
